--- a/courses/popl/slides/POPL-Review03.pptx
+++ b/courses/popl/slides/POPL-Review03.pptx
@@ -19518,7 +19518,7 @@
         <p:spPr>
           <a:xfrm>
             <a:off x="481330" y="943610"/>
-            <a:ext cx="10515600" cy="5915025"/>
+            <a:ext cx="11307445" cy="5915025"/>
           </a:xfrm>
         </p:spPr>
         <p:txBody>
@@ -19893,7 +19893,34 @@
                 </a:solidFill>
                 <a:sym typeface="+mn-ea"/>
               </a:rPr>
-              <a:t>X.X</a:t>
+              <a:t>X.</a:t>
+            </a:r>
+            <a:r>
+              <a:rPr lang="en-US" altLang="zh-CN" sz="2000" dirty="0">
+                <a:solidFill>
+                  <a:schemeClr val="tx1"/>
+                </a:solidFill>
+                <a:sym typeface="+mn-ea"/>
+              </a:rPr>
+              <a:t>X</a:t>
+            </a:r>
+            <a:r>
+              <a:rPr lang="zh-CN" altLang="en-US" sz="2000" dirty="0">
+                <a:solidFill>
+                  <a:schemeClr val="tx1"/>
+                </a:solidFill>
+                <a:sym typeface="+mn-ea"/>
+              </a:rPr>
+              <a:t>→</a:t>
+            </a:r>
+            <a:r>
+              <a:rPr lang="en-US" altLang="zh-CN" sz="2000" dirty="0">
+                <a:solidFill>
+                  <a:schemeClr val="tx1"/>
+                </a:solidFill>
+                <a:sym typeface="+mn-ea"/>
+              </a:rPr>
+              <a:t>X</a:t>
             </a:r>
             <a:r>
               <a:rPr lang="zh-CN" altLang="en-US" sz="2000" dirty="0">
@@ -19968,7 +19995,34 @@
                 </a:solidFill>
                 <a:sym typeface="+mn-ea"/>
               </a:rPr>
-              <a:t>X.X</a:t>
+              <a:t>X.</a:t>
+            </a:r>
+            <a:r>
+              <a:rPr lang="en-US" altLang="zh-CN" sz="2000" dirty="0">
+                <a:solidFill>
+                  <a:schemeClr val="tx1"/>
+                </a:solidFill>
+                <a:sym typeface="+mn-ea"/>
+              </a:rPr>
+              <a:t>X</a:t>
+            </a:r>
+            <a:r>
+              <a:rPr lang="zh-CN" altLang="en-US" sz="2000" dirty="0">
+                <a:solidFill>
+                  <a:schemeClr val="tx1"/>
+                </a:solidFill>
+                <a:sym typeface="+mn-ea"/>
+              </a:rPr>
+              <a:t>→</a:t>
+            </a:r>
+            <a:r>
+              <a:rPr lang="en-US" altLang="zh-CN" sz="2000" dirty="0">
+                <a:solidFill>
+                  <a:schemeClr val="tx1"/>
+                </a:solidFill>
+                <a:sym typeface="+mn-ea"/>
+              </a:rPr>
+              <a:t>X</a:t>
             </a:r>
             <a:r>
               <a:rPr lang="zh-CN" altLang="en-US" sz="2000" dirty="0">
